--- a/ppt/PythonMath05-MatPlotLib.pptx
+++ b/ppt/PythonMath05-MatPlotLib.pptx
@@ -4655,13 +4655,6 @@
             <a:r>
               <a:rPr lang="fr-FR" dirty="0"/>
               <a:t>Module Python</a:t>
-            </a:r>
-          </a:p>
-          <a:p>
-            <a:pPr lvl="1"/>
-            <a:r>
-              <a:rPr lang="fr-FR" dirty="0"/>
-              <a:t>Disponible dans Anaconda</a:t>
             </a:r>
           </a:p>
           <a:p>
